--- a/Calendario2024/Presentaciones/1_DireccionamientoIPv4.pptx
+++ b/Calendario2024/Presentaciones/1_DireccionamientoIPv4.pptx
@@ -223,7 +223,7 @@
           <a:p>
             <a:fld id="{2D445F07-8756-451B-A938-0248325FC7BB}" type="datetimeFigureOut">
               <a:rPr lang="es-MX" smtClean="0"/>
-              <a:t>24/03/2023</a:t>
+              <a:t>01/04/2024</a:t>
             </a:fld>
             <a:endParaRPr lang="es-MX" dirty="0"/>
           </a:p>
@@ -382,7 +382,7 @@
           <a:p>
             <a:fld id="{5993AEC0-242E-4FA7-9D3C-51E1036AC3CB}" type="slidenum">
               <a:rPr lang="es-MX" smtClean="0"/>
-              <a:t>‹Nº›</a:t>
+              <a:t>‹#›</a:t>
             </a:fld>
             <a:endParaRPr lang="es-MX" dirty="0"/>
           </a:p>
@@ -1317,7 +1317,7 @@
           <a:p>
             <a:fld id="{5E75A0DC-66C6-4CEC-A5EB-F8C97CEC3796}" type="datetimeFigureOut">
               <a:rPr lang="es-MX" smtClean="0"/>
-              <a:t>24/03/2023</a:t>
+              <a:t>01/04/2024</a:t>
             </a:fld>
             <a:endParaRPr lang="es-MX" dirty="0"/>
           </a:p>
@@ -1359,7 +1359,7 @@
           <a:p>
             <a:fld id="{C077EE1E-7A06-4E7F-9AFB-189FC69B7B0C}" type="slidenum">
               <a:rPr lang="es-MX" smtClean="0"/>
-              <a:t>‹Nº›</a:t>
+              <a:t>‹#›</a:t>
             </a:fld>
             <a:endParaRPr lang="es-MX" dirty="0"/>
           </a:p>
@@ -1487,7 +1487,7 @@
           <a:p>
             <a:fld id="{5E75A0DC-66C6-4CEC-A5EB-F8C97CEC3796}" type="datetimeFigureOut">
               <a:rPr lang="es-MX" smtClean="0"/>
-              <a:t>24/03/2023</a:t>
+              <a:t>01/04/2024</a:t>
             </a:fld>
             <a:endParaRPr lang="es-MX" dirty="0"/>
           </a:p>
@@ -1529,7 +1529,7 @@
           <a:p>
             <a:fld id="{C077EE1E-7A06-4E7F-9AFB-189FC69B7B0C}" type="slidenum">
               <a:rPr lang="es-MX" smtClean="0"/>
-              <a:t>‹Nº›</a:t>
+              <a:t>‹#›</a:t>
             </a:fld>
             <a:endParaRPr lang="es-MX" dirty="0"/>
           </a:p>
@@ -1667,7 +1667,7 @@
           <a:p>
             <a:fld id="{5E75A0DC-66C6-4CEC-A5EB-F8C97CEC3796}" type="datetimeFigureOut">
               <a:rPr lang="es-MX" smtClean="0"/>
-              <a:t>24/03/2023</a:t>
+              <a:t>01/04/2024</a:t>
             </a:fld>
             <a:endParaRPr lang="es-MX" dirty="0"/>
           </a:p>
@@ -1709,7 +1709,7 @@
           <a:p>
             <a:fld id="{C077EE1E-7A06-4E7F-9AFB-189FC69B7B0C}" type="slidenum">
               <a:rPr lang="es-MX" smtClean="0"/>
-              <a:t>‹Nº›</a:t>
+              <a:t>‹#›</a:t>
             </a:fld>
             <a:endParaRPr lang="es-MX" dirty="0"/>
           </a:p>
@@ -1837,7 +1837,7 @@
           <a:p>
             <a:fld id="{5E75A0DC-66C6-4CEC-A5EB-F8C97CEC3796}" type="datetimeFigureOut">
               <a:rPr lang="es-MX" smtClean="0"/>
-              <a:t>24/03/2023</a:t>
+              <a:t>01/04/2024</a:t>
             </a:fld>
             <a:endParaRPr lang="es-MX" dirty="0"/>
           </a:p>
@@ -1879,7 +1879,7 @@
           <a:p>
             <a:fld id="{C077EE1E-7A06-4E7F-9AFB-189FC69B7B0C}" type="slidenum">
               <a:rPr lang="es-MX" smtClean="0"/>
-              <a:t>‹Nº›</a:t>
+              <a:t>‹#›</a:t>
             </a:fld>
             <a:endParaRPr lang="es-MX" dirty="0"/>
           </a:p>
@@ -2083,7 +2083,7 @@
           <a:p>
             <a:fld id="{5E75A0DC-66C6-4CEC-A5EB-F8C97CEC3796}" type="datetimeFigureOut">
               <a:rPr lang="es-MX" smtClean="0"/>
-              <a:t>24/03/2023</a:t>
+              <a:t>01/04/2024</a:t>
             </a:fld>
             <a:endParaRPr lang="es-MX" dirty="0"/>
           </a:p>
@@ -2125,7 +2125,7 @@
           <a:p>
             <a:fld id="{C077EE1E-7A06-4E7F-9AFB-189FC69B7B0C}" type="slidenum">
               <a:rPr lang="es-MX" smtClean="0"/>
-              <a:t>‹Nº›</a:t>
+              <a:t>‹#›</a:t>
             </a:fld>
             <a:endParaRPr lang="es-MX" dirty="0"/>
           </a:p>
@@ -2371,7 +2371,7 @@
           <a:p>
             <a:fld id="{5E75A0DC-66C6-4CEC-A5EB-F8C97CEC3796}" type="datetimeFigureOut">
               <a:rPr lang="es-MX" smtClean="0"/>
-              <a:t>24/03/2023</a:t>
+              <a:t>01/04/2024</a:t>
             </a:fld>
             <a:endParaRPr lang="es-MX" dirty="0"/>
           </a:p>
@@ -2413,7 +2413,7 @@
           <a:p>
             <a:fld id="{C077EE1E-7A06-4E7F-9AFB-189FC69B7B0C}" type="slidenum">
               <a:rPr lang="es-MX" smtClean="0"/>
-              <a:t>‹Nº›</a:t>
+              <a:t>‹#›</a:t>
             </a:fld>
             <a:endParaRPr lang="es-MX" dirty="0"/>
           </a:p>
@@ -2793,7 +2793,7 @@
           <a:p>
             <a:fld id="{5E75A0DC-66C6-4CEC-A5EB-F8C97CEC3796}" type="datetimeFigureOut">
               <a:rPr lang="es-MX" smtClean="0"/>
-              <a:t>24/03/2023</a:t>
+              <a:t>01/04/2024</a:t>
             </a:fld>
             <a:endParaRPr lang="es-MX" dirty="0"/>
           </a:p>
@@ -2835,7 +2835,7 @@
           <a:p>
             <a:fld id="{C077EE1E-7A06-4E7F-9AFB-189FC69B7B0C}" type="slidenum">
               <a:rPr lang="es-MX" smtClean="0"/>
-              <a:t>‹Nº›</a:t>
+              <a:t>‹#›</a:t>
             </a:fld>
             <a:endParaRPr lang="es-MX" dirty="0"/>
           </a:p>
@@ -2911,7 +2911,7 @@
           <a:p>
             <a:fld id="{5E75A0DC-66C6-4CEC-A5EB-F8C97CEC3796}" type="datetimeFigureOut">
               <a:rPr lang="es-MX" smtClean="0"/>
-              <a:t>24/03/2023</a:t>
+              <a:t>01/04/2024</a:t>
             </a:fld>
             <a:endParaRPr lang="es-MX" dirty="0"/>
           </a:p>
@@ -2953,7 +2953,7 @@
           <a:p>
             <a:fld id="{C077EE1E-7A06-4E7F-9AFB-189FC69B7B0C}" type="slidenum">
               <a:rPr lang="es-MX" smtClean="0"/>
-              <a:t>‹Nº›</a:t>
+              <a:t>‹#›</a:t>
             </a:fld>
             <a:endParaRPr lang="es-MX" dirty="0"/>
           </a:p>
@@ -3006,7 +3006,7 @@
           <a:p>
             <a:fld id="{5E75A0DC-66C6-4CEC-A5EB-F8C97CEC3796}" type="datetimeFigureOut">
               <a:rPr lang="es-MX" smtClean="0"/>
-              <a:t>24/03/2023</a:t>
+              <a:t>01/04/2024</a:t>
             </a:fld>
             <a:endParaRPr lang="es-MX" dirty="0"/>
           </a:p>
@@ -3048,7 +3048,7 @@
           <a:p>
             <a:fld id="{C077EE1E-7A06-4E7F-9AFB-189FC69B7B0C}" type="slidenum">
               <a:rPr lang="es-MX" smtClean="0"/>
-              <a:t>‹Nº›</a:t>
+              <a:t>‹#›</a:t>
             </a:fld>
             <a:endParaRPr lang="es-MX" dirty="0"/>
           </a:p>
@@ -3283,7 +3283,7 @@
           <a:p>
             <a:fld id="{5E75A0DC-66C6-4CEC-A5EB-F8C97CEC3796}" type="datetimeFigureOut">
               <a:rPr lang="es-MX" smtClean="0"/>
-              <a:t>24/03/2023</a:t>
+              <a:t>01/04/2024</a:t>
             </a:fld>
             <a:endParaRPr lang="es-MX" dirty="0"/>
           </a:p>
@@ -3325,7 +3325,7 @@
           <a:p>
             <a:fld id="{C077EE1E-7A06-4E7F-9AFB-189FC69B7B0C}" type="slidenum">
               <a:rPr lang="es-MX" smtClean="0"/>
-              <a:t>‹Nº›</a:t>
+              <a:t>‹#›</a:t>
             </a:fld>
             <a:endParaRPr lang="es-MX" dirty="0"/>
           </a:p>
@@ -3536,7 +3536,7 @@
           <a:p>
             <a:fld id="{5E75A0DC-66C6-4CEC-A5EB-F8C97CEC3796}" type="datetimeFigureOut">
               <a:rPr lang="es-MX" smtClean="0"/>
-              <a:t>24/03/2023</a:t>
+              <a:t>01/04/2024</a:t>
             </a:fld>
             <a:endParaRPr lang="es-MX" dirty="0"/>
           </a:p>
@@ -3578,7 +3578,7 @@
           <a:p>
             <a:fld id="{C077EE1E-7A06-4E7F-9AFB-189FC69B7B0C}" type="slidenum">
               <a:rPr lang="es-MX" smtClean="0"/>
-              <a:t>‹Nº›</a:t>
+              <a:t>‹#›</a:t>
             </a:fld>
             <a:endParaRPr lang="es-MX" dirty="0"/>
           </a:p>
@@ -3749,7 +3749,7 @@
           <a:p>
             <a:fld id="{5E75A0DC-66C6-4CEC-A5EB-F8C97CEC3796}" type="datetimeFigureOut">
               <a:rPr lang="es-MX" smtClean="0"/>
-              <a:t>24/03/2023</a:t>
+              <a:t>01/04/2024</a:t>
             </a:fld>
             <a:endParaRPr lang="es-MX" dirty="0"/>
           </a:p>
@@ -3827,7 +3827,7 @@
           <a:p>
             <a:fld id="{C077EE1E-7A06-4E7F-9AFB-189FC69B7B0C}" type="slidenum">
               <a:rPr lang="es-MX" smtClean="0"/>
-              <a:t>‹Nº›</a:t>
+              <a:t>‹#›</a:t>
             </a:fld>
             <a:endParaRPr lang="es-MX" dirty="0"/>
           </a:p>
@@ -9902,7 +9902,7 @@
                 <a:latin typeface="Arial" panose="020B0604020202020204" pitchFamily="34" charset="0"/>
                 <a:cs typeface="Arial" panose="020B0604020202020204" pitchFamily="34" charset="0"/>
               </a:rPr>
-              <a:t> 2</a:t>
+              <a:t> 0</a:t>
             </a:r>
             <a:r>
               <a:rPr lang="es-MX" sz="2400" b="1" dirty="0">
@@ -10055,7 +10055,7 @@
                   <a:srgbClr val="FF0000"/>
                 </a:solidFill>
               </a:rPr>
-              <a:t>Dirección IP:                      10. 25. 96. 2 </a:t>
+              <a:t>Dirección de subred:                      10. 25. 96. 0 </a:t>
             </a:r>
           </a:p>
           <a:p>
